--- a/파이스타그램.pptx
+++ b/파이스타그램.pptx
@@ -1,6 +1,6 @@
 
 <file path=ppt/presentation.xml><?xml version="1.0" encoding="utf-8"?>
-<p:presentation xmlns:a="http://schemas.openxmlformats.org/drawingml/2006/main" xmlns:r="http://schemas.openxmlformats.org/officeDocument/2006/relationships" xmlns:p="http://schemas.openxmlformats.org/presentationml/2006/main" saveSubsetFonts="1">
+<p:presentation xmlns:a="http://schemas.openxmlformats.org/drawingml/2006/main" xmlns:r="http://schemas.openxmlformats.org/officeDocument/2006/relationships" xmlns:p="http://schemas.openxmlformats.org/presentationml/2006/main" embedTrueTypeFonts="1" saveSubsetFonts="1">
   <p:sldMasterIdLst>
     <p:sldMasterId id="2147483648" r:id="rId1"/>
   </p:sldMasterIdLst>
@@ -21,6 +21,13 @@
   </p:sldIdLst>
   <p:sldSz cx="12192000" cy="6858000"/>
   <p:notesSz cx="6858000" cy="9144000"/>
+  <p:embeddedFontLst>
+    <p:embeddedFont>
+      <p:font typeface="맑은 고딕" pitchFamily="50" charset="-127"/>
+      <p:regular r:id="rId13"/>
+      <p:bold r:id="rId14"/>
+    </p:embeddedFont>
+  </p:embeddedFontLst>
   <p:defaultTextStyle>
     <a:defPPr>
       <a:defRPr lang="ko-KR"/>
@@ -217,7 +224,7 @@
           <a:p>
             <a:fld id="{A64CEEEF-D05B-457C-81C4-A35724B522A5}" type="datetimeFigureOut">
               <a:rPr lang="ko-KR" altLang="en-US" smtClean="0"/>
-              <a:t>2018-08-06</a:t>
+              <a:t>2018-08-07</a:t>
             </a:fld>
             <a:endParaRPr lang="ko-KR" altLang="en-US"/>
           </a:p>
@@ -616,7 +623,7 @@
           <a:p>
             <a:fld id="{FA9F87B6-F3E1-4851-84AF-5401401E85BB}" type="datetimeFigureOut">
               <a:rPr lang="ko-KR" altLang="en-US" smtClean="0"/>
-              <a:t>2018-08-06</a:t>
+              <a:t>2018-08-07</a:t>
             </a:fld>
             <a:endParaRPr lang="ko-KR" altLang="en-US"/>
           </a:p>
@@ -786,7 +793,7 @@
           <a:p>
             <a:fld id="{FA9F87B6-F3E1-4851-84AF-5401401E85BB}" type="datetimeFigureOut">
               <a:rPr lang="ko-KR" altLang="en-US" smtClean="0"/>
-              <a:t>2018-08-06</a:t>
+              <a:t>2018-08-07</a:t>
             </a:fld>
             <a:endParaRPr lang="ko-KR" altLang="en-US"/>
           </a:p>
@@ -966,7 +973,7 @@
           <a:p>
             <a:fld id="{FA9F87B6-F3E1-4851-84AF-5401401E85BB}" type="datetimeFigureOut">
               <a:rPr lang="ko-KR" altLang="en-US" smtClean="0"/>
-              <a:t>2018-08-06</a:t>
+              <a:t>2018-08-07</a:t>
             </a:fld>
             <a:endParaRPr lang="ko-KR" altLang="en-US"/>
           </a:p>
@@ -1136,7 +1143,7 @@
           <a:p>
             <a:fld id="{FA9F87B6-F3E1-4851-84AF-5401401E85BB}" type="datetimeFigureOut">
               <a:rPr lang="ko-KR" altLang="en-US" smtClean="0"/>
-              <a:t>2018-08-06</a:t>
+              <a:t>2018-08-07</a:t>
             </a:fld>
             <a:endParaRPr lang="ko-KR" altLang="en-US"/>
           </a:p>
@@ -1382,7 +1389,7 @@
           <a:p>
             <a:fld id="{FA9F87B6-F3E1-4851-84AF-5401401E85BB}" type="datetimeFigureOut">
               <a:rPr lang="ko-KR" altLang="en-US" smtClean="0"/>
-              <a:t>2018-08-06</a:t>
+              <a:t>2018-08-07</a:t>
             </a:fld>
             <a:endParaRPr lang="ko-KR" altLang="en-US"/>
           </a:p>
@@ -1614,7 +1621,7 @@
           <a:p>
             <a:fld id="{FA9F87B6-F3E1-4851-84AF-5401401E85BB}" type="datetimeFigureOut">
               <a:rPr lang="ko-KR" altLang="en-US" smtClean="0"/>
-              <a:t>2018-08-06</a:t>
+              <a:t>2018-08-07</a:t>
             </a:fld>
             <a:endParaRPr lang="ko-KR" altLang="en-US"/>
           </a:p>
@@ -1981,7 +1988,7 @@
           <a:p>
             <a:fld id="{FA9F87B6-F3E1-4851-84AF-5401401E85BB}" type="datetimeFigureOut">
               <a:rPr lang="ko-KR" altLang="en-US" smtClean="0"/>
-              <a:t>2018-08-06</a:t>
+              <a:t>2018-08-07</a:t>
             </a:fld>
             <a:endParaRPr lang="ko-KR" altLang="en-US"/>
           </a:p>
@@ -2099,7 +2106,7 @@
           <a:p>
             <a:fld id="{FA9F87B6-F3E1-4851-84AF-5401401E85BB}" type="datetimeFigureOut">
               <a:rPr lang="ko-KR" altLang="en-US" smtClean="0"/>
-              <a:t>2018-08-06</a:t>
+              <a:t>2018-08-07</a:t>
             </a:fld>
             <a:endParaRPr lang="ko-KR" altLang="en-US"/>
           </a:p>
@@ -2194,7 +2201,7 @@
           <a:p>
             <a:fld id="{FA9F87B6-F3E1-4851-84AF-5401401E85BB}" type="datetimeFigureOut">
               <a:rPr lang="ko-KR" altLang="en-US" smtClean="0"/>
-              <a:t>2018-08-06</a:t>
+              <a:t>2018-08-07</a:t>
             </a:fld>
             <a:endParaRPr lang="ko-KR" altLang="en-US"/>
           </a:p>
@@ -2471,7 +2478,7 @@
           <a:p>
             <a:fld id="{FA9F87B6-F3E1-4851-84AF-5401401E85BB}" type="datetimeFigureOut">
               <a:rPr lang="ko-KR" altLang="en-US" smtClean="0"/>
-              <a:t>2018-08-06</a:t>
+              <a:t>2018-08-07</a:t>
             </a:fld>
             <a:endParaRPr lang="ko-KR" altLang="en-US"/>
           </a:p>
@@ -2724,7 +2731,7 @@
           <a:p>
             <a:fld id="{FA9F87B6-F3E1-4851-84AF-5401401E85BB}" type="datetimeFigureOut">
               <a:rPr lang="ko-KR" altLang="en-US" smtClean="0"/>
-              <a:t>2018-08-06</a:t>
+              <a:t>2018-08-07</a:t>
             </a:fld>
             <a:endParaRPr lang="ko-KR" altLang="en-US"/>
           </a:p>
@@ -2942,7 +2949,7 @@
           <a:p>
             <a:fld id="{FA9F87B6-F3E1-4851-84AF-5401401E85BB}" type="datetimeFigureOut">
               <a:rPr lang="ko-KR" altLang="en-US" smtClean="0"/>
-              <a:t>2018-08-06</a:t>
+              <a:t>2018-08-07</a:t>
             </a:fld>
             <a:endParaRPr lang="ko-KR" altLang="en-US"/>
           </a:p>
@@ -5512,8 +5519,8 @@
         </p:nvSpPr>
         <p:spPr>
           <a:xfrm>
-            <a:off x="2144118" y="3854093"/>
-            <a:ext cx="756938" cy="646331"/>
+            <a:off x="1594786" y="4019193"/>
+            <a:ext cx="1754006" cy="369332"/>
           </a:xfrm>
           <a:prstGeom prst="rect">
             <a:avLst/>
@@ -5528,26 +5535,6 @@
           <a:p>
             <a:pPr algn="ctr"/>
             <a:r>
-              <a:rPr lang="ko-KR" altLang="en-US" spc="-150" dirty="0" err="1" smtClean="0">
-                <a:solidFill>
-                  <a:schemeClr val="bg1"/>
-                </a:solidFill>
-                <a:latin typeface="나눔스퀘어 Bold" panose="020B0600000101010101" pitchFamily="50" charset="-127"/>
-                <a:ea typeface="나눔스퀘어 Bold" panose="020B0600000101010101" pitchFamily="50" charset="-127"/>
-              </a:rPr>
-              <a:t>캐논남</a:t>
-            </a:r>
-            <a:endParaRPr lang="en-US" altLang="ko-KR" spc="-150" dirty="0" smtClean="0">
-              <a:solidFill>
-                <a:schemeClr val="bg1"/>
-              </a:solidFill>
-              <a:latin typeface="나눔스퀘어 Bold" panose="020B0600000101010101" pitchFamily="50" charset="-127"/>
-              <a:ea typeface="나눔스퀘어 Bold" panose="020B0600000101010101" pitchFamily="50" charset="-127"/>
-            </a:endParaRPr>
-          </a:p>
-          <a:p>
-            <a:pPr algn="ctr"/>
-            <a:r>
               <a:rPr lang="ko-KR" altLang="en-US" spc="-150" dirty="0" smtClean="0">
                 <a:solidFill>
                   <a:schemeClr val="bg1"/>
@@ -5555,7 +5542,27 @@
                 <a:latin typeface="나눔스퀘어 Bold" panose="020B0600000101010101" pitchFamily="50" charset="-127"/>
                 <a:ea typeface="나눔스퀘어 Bold" panose="020B0600000101010101" pitchFamily="50" charset="-127"/>
               </a:rPr>
-              <a:t>템플릿</a:t>
+              <a:t>개인 </a:t>
+            </a:r>
+            <a:r>
+              <a:rPr lang="en-US" altLang="ko-KR" spc="-150" dirty="0" smtClean="0">
+                <a:solidFill>
+                  <a:schemeClr val="bg1"/>
+                </a:solidFill>
+                <a:latin typeface="나눔스퀘어 Bold" panose="020B0600000101010101" pitchFamily="50" charset="-127"/>
+                <a:ea typeface="나눔스퀘어 Bold" panose="020B0600000101010101" pitchFamily="50" charset="-127"/>
+              </a:rPr>
+              <a:t>SNS </a:t>
+            </a:r>
+            <a:r>
+              <a:rPr lang="ko-KR" altLang="en-US" spc="-150" dirty="0" smtClean="0">
+                <a:solidFill>
+                  <a:schemeClr val="bg1"/>
+                </a:solidFill>
+                <a:latin typeface="나눔스퀘어 Bold" panose="020B0600000101010101" pitchFamily="50" charset="-127"/>
+                <a:ea typeface="나눔스퀘어 Bold" panose="020B0600000101010101" pitchFamily="50" charset="-127"/>
+              </a:rPr>
+              <a:t>페이지</a:t>
             </a:r>
             <a:endParaRPr lang="en-US" altLang="ko-KR" spc="-150" dirty="0" smtClean="0">
               <a:solidFill>
@@ -5575,8 +5582,8 @@
         </p:nvSpPr>
         <p:spPr>
           <a:xfrm>
-            <a:off x="3822370" y="3854093"/>
-            <a:ext cx="756938" cy="646331"/>
+            <a:off x="3685315" y="4044593"/>
+            <a:ext cx="1031051" cy="369332"/>
           </a:xfrm>
           <a:prstGeom prst="rect">
             <a:avLst/>
@@ -5598,29 +5605,9 @@
                 <a:latin typeface="나눔스퀘어 Bold" panose="020B0600000101010101" pitchFamily="50" charset="-127"/>
                 <a:ea typeface="나눔스퀘어 Bold" panose="020B0600000101010101" pitchFamily="50" charset="-127"/>
               </a:rPr>
-              <a:t>캐논남</a:t>
-            </a:r>
-            <a:endParaRPr lang="en-US" altLang="ko-KR" spc="-150" smtClean="0">
-              <a:solidFill>
-                <a:schemeClr val="bg1"/>
-              </a:solidFill>
-              <a:latin typeface="나눔스퀘어 Bold" panose="020B0600000101010101" pitchFamily="50" charset="-127"/>
-              <a:ea typeface="나눔스퀘어 Bold" panose="020B0600000101010101" pitchFamily="50" charset="-127"/>
-            </a:endParaRPr>
-          </a:p>
-          <a:p>
-            <a:pPr algn="ctr"/>
-            <a:r>
-              <a:rPr lang="ko-KR" altLang="en-US" spc="-150" smtClean="0">
-                <a:solidFill>
-                  <a:schemeClr val="bg1"/>
-                </a:solidFill>
-                <a:latin typeface="나눔스퀘어 Bold" panose="020B0600000101010101" pitchFamily="50" charset="-127"/>
-                <a:ea typeface="나눔스퀘어 Bold" panose="020B0600000101010101" pitchFamily="50" charset="-127"/>
-              </a:rPr>
-              <a:t>템플릿</a:t>
-            </a:r>
-            <a:endParaRPr lang="en-US" altLang="ko-KR" spc="-150" smtClean="0">
+              <a:t>둘러보기</a:t>
+            </a:r>
+            <a:endParaRPr lang="en-US" altLang="ko-KR" spc="-150" dirty="0" smtClean="0">
               <a:solidFill>
                 <a:schemeClr val="bg1"/>
               </a:solidFill>
@@ -5638,8 +5625,8 @@
         </p:nvSpPr>
         <p:spPr>
           <a:xfrm>
-            <a:off x="5500621" y="3854093"/>
-            <a:ext cx="756938" cy="646331"/>
+            <a:off x="5469364" y="4057293"/>
+            <a:ext cx="819455" cy="369332"/>
           </a:xfrm>
           <a:prstGeom prst="rect">
             <a:avLst/>
@@ -5661,29 +5648,9 @@
                 <a:latin typeface="나눔스퀘어 Bold" panose="020B0600000101010101" pitchFamily="50" charset="-127"/>
                 <a:ea typeface="나눔스퀘어 Bold" panose="020B0600000101010101" pitchFamily="50" charset="-127"/>
               </a:rPr>
-              <a:t>캐논남</a:t>
-            </a:r>
-            <a:endParaRPr lang="en-US" altLang="ko-KR" spc="-150" smtClean="0">
-              <a:solidFill>
-                <a:schemeClr val="bg1"/>
-              </a:solidFill>
-              <a:latin typeface="나눔스퀘어 Bold" panose="020B0600000101010101" pitchFamily="50" charset="-127"/>
-              <a:ea typeface="나눔스퀘어 Bold" panose="020B0600000101010101" pitchFamily="50" charset="-127"/>
-            </a:endParaRPr>
-          </a:p>
-          <a:p>
-            <a:pPr algn="ctr"/>
-            <a:r>
-              <a:rPr lang="ko-KR" altLang="en-US" spc="-150" smtClean="0">
-                <a:solidFill>
-                  <a:schemeClr val="bg1"/>
-                </a:solidFill>
-                <a:latin typeface="나눔스퀘어 Bold" panose="020B0600000101010101" pitchFamily="50" charset="-127"/>
-                <a:ea typeface="나눔스퀘어 Bold" panose="020B0600000101010101" pitchFamily="50" charset="-127"/>
-              </a:rPr>
-              <a:t>템플릿</a:t>
-            </a:r>
-            <a:endParaRPr lang="en-US" altLang="ko-KR" spc="-150" smtClean="0">
+              <a:t>게시판</a:t>
+            </a:r>
+            <a:endParaRPr lang="en-US" altLang="ko-KR" spc="-150" dirty="0" smtClean="0">
               <a:solidFill>
                 <a:schemeClr val="bg1"/>
               </a:solidFill>
@@ -5701,8 +5668,8 @@
         </p:nvSpPr>
         <p:spPr>
           <a:xfrm>
-            <a:off x="9462096" y="3854093"/>
-            <a:ext cx="756938" cy="646331"/>
+            <a:off x="9325041" y="3854093"/>
+            <a:ext cx="1031051" cy="646331"/>
           </a:xfrm>
           <a:prstGeom prst="rect">
             <a:avLst/>
@@ -5717,16 +5684,16 @@
           <a:p>
             <a:pPr algn="ctr"/>
             <a:r>
-              <a:rPr lang="ko-KR" altLang="en-US" spc="-150" smtClean="0">
+              <a:rPr lang="ko-KR" altLang="en-US" spc="-150" dirty="0" smtClean="0">
                 <a:solidFill>
                   <a:schemeClr val="bg1"/>
                 </a:solidFill>
                 <a:latin typeface="나눔스퀘어 Bold" panose="020B0600000101010101" pitchFamily="50" charset="-127"/>
                 <a:ea typeface="나눔스퀘어 Bold" panose="020B0600000101010101" pitchFamily="50" charset="-127"/>
               </a:rPr>
-              <a:t>캐논남</a:t>
-            </a:r>
-            <a:endParaRPr lang="en-US" altLang="ko-KR" spc="-150" smtClean="0">
+              <a:t>로그인</a:t>
+            </a:r>
+            <a:endParaRPr lang="en-US" altLang="ko-KR" spc="-150" dirty="0" smtClean="0">
               <a:solidFill>
                 <a:schemeClr val="bg1"/>
               </a:solidFill>
@@ -5737,16 +5704,26 @@
           <a:p>
             <a:pPr algn="ctr"/>
             <a:r>
-              <a:rPr lang="ko-KR" altLang="en-US" spc="-150" smtClean="0">
+              <a:rPr lang="ko-KR" altLang="en-US" spc="-150" dirty="0" smtClean="0">
                 <a:solidFill>
                   <a:schemeClr val="bg1"/>
                 </a:solidFill>
                 <a:latin typeface="나눔스퀘어 Bold" panose="020B0600000101010101" pitchFamily="50" charset="-127"/>
                 <a:ea typeface="나눔스퀘어 Bold" panose="020B0600000101010101" pitchFamily="50" charset="-127"/>
               </a:rPr>
-              <a:t>템플릿</a:t>
-            </a:r>
-            <a:endParaRPr lang="en-US" altLang="ko-KR" spc="-150" smtClean="0">
+              <a:t>회원가</a:t>
+            </a:r>
+            <a:r>
+              <a:rPr lang="ko-KR" altLang="en-US" spc="-150" dirty="0">
+                <a:solidFill>
+                  <a:schemeClr val="bg1"/>
+                </a:solidFill>
+                <a:latin typeface="나눔스퀘어 Bold" panose="020B0600000101010101" pitchFamily="50" charset="-127"/>
+                <a:ea typeface="나눔스퀘어 Bold" panose="020B0600000101010101" pitchFamily="50" charset="-127"/>
+              </a:rPr>
+              <a:t>입</a:t>
+            </a:r>
+            <a:endParaRPr lang="en-US" altLang="ko-KR" spc="-150" dirty="0" smtClean="0">
               <a:solidFill>
                 <a:schemeClr val="bg1"/>
               </a:solidFill>
@@ -6675,7 +6652,7 @@
           <p:nvPr>
             <p:extLst>
               <p:ext uri="{D42A27DB-BD31-4B8C-83A1-F6EECF244321}">
-                <p14:modId xmlns:p14="http://schemas.microsoft.com/office/powerpoint/2010/main" val="3601556044"/>
+                <p14:modId xmlns:p14="http://schemas.microsoft.com/office/powerpoint/2010/main" val="2749371940"/>
               </p:ext>
             </p:extLst>
           </p:nvPr>
@@ -7051,8 +7028,12 @@
                     <a:p>
                       <a:pPr latinLnBrk="1"/>
                       <a:r>
+                        <a:rPr lang="ko-KR" altLang="en-US" sz="1500" smtClean="0"/>
+                        <a:t>작성 </a:t>
+                      </a:r>
+                      <a:r>
                         <a:rPr lang="ko-KR" altLang="en-US" sz="1500" dirty="0" smtClean="0"/>
-                        <a:t>생성 일자</a:t>
+                        <a:t>일자</a:t>
                       </a:r>
                       <a:endParaRPr lang="ko-KR" altLang="en-US" sz="1500" dirty="0">
                         <a:latin typeface="나눔고딕" panose="020D0604000000000000" pitchFamily="50" charset="-127"/>
